--- a/28_3DChart.pptx
+++ b/28_3DChart.pptx
@@ -4122,8 +4122,8 @@
         </p:nvSpPr>
         <p:spPr>
           <a:xfrm>
-            <a:off x="474015" y="2060850"/>
-            <a:ext cx="8352928" cy="1584174"/>
+            <a:off x="341571" y="1556792"/>
+            <a:ext cx="8352928" cy="2376262"/>
           </a:xfrm>
           <a:ln>
             <a:solidFill>
@@ -4198,7 +4198,7 @@
               <a:buChar char="u"/>
             </a:pPr>
             <a:r>
-              <a:rPr lang="en-US" sz="1400" dirty="0">
+              <a:rPr lang="en-US" sz="1800" dirty="0">
                 <a:solidFill>
                   <a:schemeClr val="tx1"/>
                 </a:solidFill>
@@ -4219,7 +4219,7 @@
               <a:rPr lang="en-US" sz="1400" dirty="0">
                 <a:hlinkClick r:id="rId4"/>
               </a:rPr>
-              <a:t>https://matplotlib.org/3.1.1/gallery/mplot3d/wire3d.html</a:t>
+              <a:t>https://matplotlib.org/mpl_toolkits/mplot3d/tutorial.html</a:t>
             </a:r>
             <a:endParaRPr lang="en-US" sz="1400" dirty="0"/>
           </a:p>
@@ -4233,7 +4233,7 @@
               <a:buChar char="u"/>
             </a:pPr>
             <a:r>
-              <a:rPr lang="en-US" sz="1400" dirty="0">
+              <a:rPr lang="en-US" sz="1800" dirty="0">
                 <a:solidFill>
                   <a:schemeClr val="tx1"/>
                 </a:solidFill>
@@ -4241,7 +4241,7 @@
               <a:t>Wire frame plot (</a:t>
             </a:r>
             <a:r>
-              <a:rPr lang="en-US" sz="1400" dirty="0" err="1">
+              <a:rPr lang="en-US" sz="1800" dirty="0" err="1">
                 <a:solidFill>
                   <a:schemeClr val="tx1"/>
                 </a:solidFill>
@@ -4249,7 +4249,7 @@
               <a:t>rstride</a:t>
             </a:r>
             <a:r>
-              <a:rPr lang="en-US" sz="1400" dirty="0">
+              <a:rPr lang="en-US" sz="1800" dirty="0">
                 <a:solidFill>
                   <a:schemeClr val="tx1"/>
                 </a:solidFill>
@@ -4257,7 +4257,7 @@
               <a:t> and </a:t>
             </a:r>
             <a:r>
-              <a:rPr lang="en-US" sz="1400" dirty="0" err="1">
+              <a:rPr lang="en-US" sz="1800" dirty="0" err="1">
                 <a:solidFill>
                   <a:schemeClr val="tx1"/>
                 </a:solidFill>
@@ -4265,12 +4265,62 @@
               <a:t>cstride</a:t>
             </a:r>
             <a:r>
-              <a:rPr lang="en-US" sz="1400" dirty="0">
+              <a:rPr lang="en-US" sz="1800" dirty="0">
                 <a:solidFill>
                   <a:schemeClr val="tx1"/>
                 </a:solidFill>
               </a:rPr>
               <a:t>)</a:t>
+            </a:r>
+          </a:p>
+          <a:p>
+            <a:pPr marL="342900" indent="-342900" algn="l">
+              <a:buClr>
+                <a:srgbClr val="0070C0"/>
+              </a:buClr>
+              <a:buSzPct val="80000"/>
+              <a:buFont typeface="Wingdings" pitchFamily="2" charset="2"/>
+              <a:buChar char="u"/>
+            </a:pPr>
+            <a:r>
+              <a:rPr lang="en-US" sz="1800" dirty="0">
+                <a:solidFill>
+                  <a:schemeClr val="tx1"/>
+                </a:solidFill>
+              </a:rPr>
+              <a:t>The </a:t>
+            </a:r>
+            <a:r>
+              <a:rPr lang="en-US" sz="1800" dirty="0" err="1">
+                <a:solidFill>
+                  <a:schemeClr val="tx1"/>
+                </a:solidFill>
+              </a:rPr>
+              <a:t>rstride</a:t>
+            </a:r>
+            <a:r>
+              <a:rPr lang="en-US" sz="1800" dirty="0">
+                <a:solidFill>
+                  <a:schemeClr val="tx1"/>
+                </a:solidFill>
+              </a:rPr>
+              <a:t> (row stride) and </a:t>
+            </a:r>
+            <a:r>
+              <a:rPr lang="en-US" sz="1800" dirty="0" err="1">
+                <a:solidFill>
+                  <a:schemeClr val="tx1"/>
+                </a:solidFill>
+              </a:rPr>
+              <a:t>cstride</a:t>
+            </a:r>
+            <a:r>
+              <a:rPr lang="en-US" sz="1800" dirty="0">
+                <a:solidFill>
+                  <a:schemeClr val="tx1"/>
+                </a:solidFill>
+              </a:rPr>
+              <a:t> (column stride) set the stride used to sample the input data to generate the graph.</a:t>
             </a:r>
           </a:p>
           <a:p>
